--- a/Ch03 디렉티브 태그_한글 출력 및 페이지 모듈화하기.pptx
+++ b/Ch03 디렉티브 태그_한글 출력 및 페이지 모듈화하기.pptx
@@ -200,10 +200,6 @@
 </p:presentation>
 </file>
 
-<file path=ppt/revisionInfo.xml><?xml version="1.0" encoding="utf-8"?>
-<p1510:revInfo xmlns:a="http://schemas.openxmlformats.org/drawingml/2006/main" xmlns:r="http://schemas.openxmlformats.org/officeDocument/2006/relationships" xmlns:p1510="http://schemas.microsoft.com/office/powerpoint/2015/10/main"/>
-</file>
-
 <file path=ppt/handoutMasters/handoutMaster1.xml><?xml version="1.0" encoding="utf-8"?>
 <p:handoutMaster xmlns:a="http://schemas.openxmlformats.org/drawingml/2006/main" xmlns:r="http://schemas.openxmlformats.org/officeDocument/2006/relationships" xmlns:p="http://schemas.openxmlformats.org/presentationml/2006/main">
   <p:cSld>
@@ -322,7 +318,7 @@
               <a:pPr>
                 <a:defRPr/>
               </a:pPr>
-              <a:t>2019-09-17</a:t>
+              <a:t>2019-12-17</a:t>
             </a:fld>
             <a:endParaRPr lang="en-US" altLang="ko-KR"/>
           </a:p>
@@ -527,7 +523,7 @@
               <a:pPr>
                 <a:defRPr/>
               </a:pPr>
-              <a:t>2019-09-17</a:t>
+              <a:t>2019-12-17</a:t>
             </a:fld>
             <a:endParaRPr lang="ko-KR" altLang="en-US"/>
           </a:p>
@@ -1421,7 +1417,7 @@
           <p:cNvPr id="9" name="TextBox 8">
             <a:extLst>
               <a:ext uri="{FF2B5EF4-FFF2-40B4-BE49-F238E27FC236}">
-                <a16:creationId xmlns:a16="http://schemas.microsoft.com/office/drawing/2014/main" xmlns="" id="{C8BF1E9C-21A3-41D4-8B65-A0F4F21F6AC7}"/>
+                <a16:creationId xmlns:a16="http://schemas.microsoft.com/office/drawing/2014/main" id="{C8BF1E9C-21A3-41D4-8B65-A0F4F21F6AC7}"/>
               </a:ext>
             </a:extLst>
           </p:cNvPr>
@@ -4833,7 +4829,7 @@
           <p:cNvPr id="8" name="제목 7">
             <a:extLst>
               <a:ext uri="{FF2B5EF4-FFF2-40B4-BE49-F238E27FC236}">
-                <a16:creationId xmlns:a16="http://schemas.microsoft.com/office/drawing/2014/main" xmlns="" id="{EE21A3B2-32E0-4BBF-A3CB-617AA1984BAD}"/>
+                <a16:creationId xmlns:a16="http://schemas.microsoft.com/office/drawing/2014/main" id="{EE21A3B2-32E0-4BBF-A3CB-617AA1984BAD}"/>
               </a:ext>
             </a:extLst>
           </p:cNvPr>
@@ -5085,7 +5081,7 @@
           <p:cNvPr id="8" name="제목 7">
             <a:extLst>
               <a:ext uri="{FF2B5EF4-FFF2-40B4-BE49-F238E27FC236}">
-                <a16:creationId xmlns:a16="http://schemas.microsoft.com/office/drawing/2014/main" xmlns="" id="{6AD75092-F563-485B-B725-1FEA536D22CF}"/>
+                <a16:creationId xmlns:a16="http://schemas.microsoft.com/office/drawing/2014/main" id="{6AD75092-F563-485B-B725-1FEA536D22CF}"/>
               </a:ext>
             </a:extLst>
           </p:cNvPr>
@@ -5271,7 +5267,7 @@
           <p:cNvPr id="10" name="내용 개체 틀 9">
             <a:extLst>
               <a:ext uri="{FF2B5EF4-FFF2-40B4-BE49-F238E27FC236}">
-                <a16:creationId xmlns:a16="http://schemas.microsoft.com/office/drawing/2014/main" xmlns="" id="{4DA852FD-387A-4751-9806-F376B8FAAA6C}"/>
+                <a16:creationId xmlns:a16="http://schemas.microsoft.com/office/drawing/2014/main" id="{4DA852FD-387A-4751-9806-F376B8FAAA6C}"/>
               </a:ext>
             </a:extLst>
           </p:cNvPr>
@@ -5306,7 +5302,7 @@
           <p:cNvPr id="8" name="제목 7">
             <a:extLst>
               <a:ext uri="{FF2B5EF4-FFF2-40B4-BE49-F238E27FC236}">
-                <a16:creationId xmlns:a16="http://schemas.microsoft.com/office/drawing/2014/main" xmlns="" id="{C9044375-86A1-41ED-A1E9-4AFAC1644100}"/>
+                <a16:creationId xmlns:a16="http://schemas.microsoft.com/office/drawing/2014/main" id="{C9044375-86A1-41ED-A1E9-4AFAC1644100}"/>
               </a:ext>
             </a:extLst>
           </p:cNvPr>
@@ -5439,7 +5435,7 @@
           <p:cNvPr id="12" name="그림 11">
             <a:extLst>
               <a:ext uri="{FF2B5EF4-FFF2-40B4-BE49-F238E27FC236}">
-                <a16:creationId xmlns:a16="http://schemas.microsoft.com/office/drawing/2014/main" xmlns="" id="{DC1490A8-F9C0-4E35-B117-847781C6245F}"/>
+                <a16:creationId xmlns:a16="http://schemas.microsoft.com/office/drawing/2014/main" id="{DC1490A8-F9C0-4E35-B117-847781C6245F}"/>
               </a:ext>
             </a:extLst>
           </p:cNvPr>
@@ -5695,7 +5691,7 @@
           <p:cNvPr id="2" name="제목 1">
             <a:extLst>
               <a:ext uri="{FF2B5EF4-FFF2-40B4-BE49-F238E27FC236}">
-                <a16:creationId xmlns:a16="http://schemas.microsoft.com/office/drawing/2014/main" xmlns="" id="{0B77017C-EA22-42F3-94F7-4D95145B3AFA}"/>
+                <a16:creationId xmlns:a16="http://schemas.microsoft.com/office/drawing/2014/main" id="{0B77017C-EA22-42F3-94F7-4D95145B3AFA}"/>
               </a:ext>
             </a:extLst>
           </p:cNvPr>
@@ -5785,7 +5781,7 @@
           <p:cNvPr id="6" name="제목 5">
             <a:extLst>
               <a:ext uri="{FF2B5EF4-FFF2-40B4-BE49-F238E27FC236}">
-                <a16:creationId xmlns:a16="http://schemas.microsoft.com/office/drawing/2014/main" xmlns="" id="{A78951CD-1501-4EE1-A759-D9701BDB9503}"/>
+                <a16:creationId xmlns:a16="http://schemas.microsoft.com/office/drawing/2014/main" id="{A78951CD-1501-4EE1-A759-D9701BDB9503}"/>
               </a:ext>
             </a:extLst>
           </p:cNvPr>
@@ -5845,7 +5841,7 @@
           <p:cNvPr id="10" name="내용 개체 틀 9">
             <a:extLst>
               <a:ext uri="{FF2B5EF4-FFF2-40B4-BE49-F238E27FC236}">
-                <a16:creationId xmlns:a16="http://schemas.microsoft.com/office/drawing/2014/main" xmlns="" id="{B6D95DE3-26A4-4B51-ABAE-319DB4D687BA}"/>
+                <a16:creationId xmlns:a16="http://schemas.microsoft.com/office/drawing/2014/main" id="{B6D95DE3-26A4-4B51-ABAE-319DB4D687BA}"/>
               </a:ext>
             </a:extLst>
           </p:cNvPr>
@@ -5910,7 +5906,7 @@
           <p:cNvPr id="4" name="제목 3">
             <a:extLst>
               <a:ext uri="{FF2B5EF4-FFF2-40B4-BE49-F238E27FC236}">
-                <a16:creationId xmlns:a16="http://schemas.microsoft.com/office/drawing/2014/main" xmlns="" id="{E9B0F1A7-A473-4198-9F05-E156ACC64CEF}"/>
+                <a16:creationId xmlns:a16="http://schemas.microsoft.com/office/drawing/2014/main" id="{E9B0F1A7-A473-4198-9F05-E156ACC64CEF}"/>
               </a:ext>
             </a:extLst>
           </p:cNvPr>
@@ -5946,7 +5942,7 @@
           <p:cNvPr id="7" name="내용 개체 틀 6">
             <a:extLst>
               <a:ext uri="{FF2B5EF4-FFF2-40B4-BE49-F238E27FC236}">
-                <a16:creationId xmlns:a16="http://schemas.microsoft.com/office/drawing/2014/main" xmlns="" id="{8D6B8DA1-CBD7-4360-B5CD-485C6AE5E0CD}"/>
+                <a16:creationId xmlns:a16="http://schemas.microsoft.com/office/drawing/2014/main" id="{8D6B8DA1-CBD7-4360-B5CD-485C6AE5E0CD}"/>
               </a:ext>
             </a:extLst>
           </p:cNvPr>
@@ -6011,7 +6007,7 @@
           <p:cNvPr id="9" name="내용 개체 틀 8">
             <a:extLst>
               <a:ext uri="{FF2B5EF4-FFF2-40B4-BE49-F238E27FC236}">
-                <a16:creationId xmlns:a16="http://schemas.microsoft.com/office/drawing/2014/main" xmlns="" id="{9EC808E8-F5D1-427F-B855-B19B4D487310}"/>
+                <a16:creationId xmlns:a16="http://schemas.microsoft.com/office/drawing/2014/main" id="{9EC808E8-F5D1-427F-B855-B19B4D487310}"/>
               </a:ext>
             </a:extLst>
           </p:cNvPr>
@@ -6046,7 +6042,7 @@
           <p:cNvPr id="4" name="제목 3">
             <a:extLst>
               <a:ext uri="{FF2B5EF4-FFF2-40B4-BE49-F238E27FC236}">
-                <a16:creationId xmlns:a16="http://schemas.microsoft.com/office/drawing/2014/main" xmlns="" id="{7A5FD6D3-E3F0-4968-82A2-925163B1571E}"/>
+                <a16:creationId xmlns:a16="http://schemas.microsoft.com/office/drawing/2014/main" id="{7A5FD6D3-E3F0-4968-82A2-925163B1571E}"/>
               </a:ext>
             </a:extLst>
           </p:cNvPr>
@@ -6154,7 +6150,7 @@
           <p:cNvPr id="13" name="그림 12">
             <a:extLst>
               <a:ext uri="{FF2B5EF4-FFF2-40B4-BE49-F238E27FC236}">
-                <a16:creationId xmlns:a16="http://schemas.microsoft.com/office/drawing/2014/main" xmlns="" id="{A89F8CAF-CE10-4F29-83F8-5E6DC44B608E}"/>
+                <a16:creationId xmlns:a16="http://schemas.microsoft.com/office/drawing/2014/main" id="{A89F8CAF-CE10-4F29-83F8-5E6DC44B608E}"/>
               </a:ext>
             </a:extLst>
           </p:cNvPr>
@@ -6220,7 +6216,7 @@
           <p:cNvPr id="10" name="내용 개체 틀 9">
             <a:extLst>
               <a:ext uri="{FF2B5EF4-FFF2-40B4-BE49-F238E27FC236}">
-                <a16:creationId xmlns:a16="http://schemas.microsoft.com/office/drawing/2014/main" xmlns="" id="{5A028366-76F0-4CC1-847B-929FE45C22E8}"/>
+                <a16:creationId xmlns:a16="http://schemas.microsoft.com/office/drawing/2014/main" id="{5A028366-76F0-4CC1-847B-929FE45C22E8}"/>
               </a:ext>
             </a:extLst>
           </p:cNvPr>
@@ -6255,7 +6251,7 @@
           <p:cNvPr id="5" name="제목 4">
             <a:extLst>
               <a:ext uri="{FF2B5EF4-FFF2-40B4-BE49-F238E27FC236}">
-                <a16:creationId xmlns:a16="http://schemas.microsoft.com/office/drawing/2014/main" xmlns="" id="{7964A35D-35EA-4A8D-B987-2C446A2B7CDA}"/>
+                <a16:creationId xmlns:a16="http://schemas.microsoft.com/office/drawing/2014/main" id="{7964A35D-35EA-4A8D-B987-2C446A2B7CDA}"/>
               </a:ext>
             </a:extLst>
           </p:cNvPr>
@@ -6387,7 +6383,7 @@
           <p:cNvPr id="12" name="그림 11">
             <a:extLst>
               <a:ext uri="{FF2B5EF4-FFF2-40B4-BE49-F238E27FC236}">
-                <a16:creationId xmlns:a16="http://schemas.microsoft.com/office/drawing/2014/main" xmlns="" id="{D8B7B953-A80C-4169-A259-EB2894C69498}"/>
+                <a16:creationId xmlns:a16="http://schemas.microsoft.com/office/drawing/2014/main" id="{D8B7B953-A80C-4169-A259-EB2894C69498}"/>
               </a:ext>
             </a:extLst>
           </p:cNvPr>
@@ -6522,7 +6518,7 @@
           <p:cNvPr id="4" name="제목 3">
             <a:extLst>
               <a:ext uri="{FF2B5EF4-FFF2-40B4-BE49-F238E27FC236}">
-                <a16:creationId xmlns:a16="http://schemas.microsoft.com/office/drawing/2014/main" xmlns="" id="{9A022F37-6347-47FD-858B-22F60B459C3B}"/>
+                <a16:creationId xmlns:a16="http://schemas.microsoft.com/office/drawing/2014/main" id="{9A022F37-6347-47FD-858B-22F60B459C3B}"/>
               </a:ext>
             </a:extLst>
           </p:cNvPr>
@@ -6644,7 +6640,7 @@
           <p:cNvPr id="8" name="내용 개체 틀 7">
             <a:extLst>
               <a:ext uri="{FF2B5EF4-FFF2-40B4-BE49-F238E27FC236}">
-                <a16:creationId xmlns:a16="http://schemas.microsoft.com/office/drawing/2014/main" xmlns="" id="{ECBCB4F0-2FFA-4C68-8FFD-B4738D61A2D5}"/>
+                <a16:creationId xmlns:a16="http://schemas.microsoft.com/office/drawing/2014/main" id="{ECBCB4F0-2FFA-4C68-8FFD-B4738D61A2D5}"/>
               </a:ext>
             </a:extLst>
           </p:cNvPr>
@@ -6679,7 +6675,7 @@
           <p:cNvPr id="6" name="제목 5">
             <a:extLst>
               <a:ext uri="{FF2B5EF4-FFF2-40B4-BE49-F238E27FC236}">
-                <a16:creationId xmlns:a16="http://schemas.microsoft.com/office/drawing/2014/main" xmlns="" id="{98F67B9D-B8DA-4452-8EF9-C9220DC51510}"/>
+                <a16:creationId xmlns:a16="http://schemas.microsoft.com/office/drawing/2014/main" id="{98F67B9D-B8DA-4452-8EF9-C9220DC51510}"/>
               </a:ext>
             </a:extLst>
           </p:cNvPr>
@@ -6827,7 +6823,7 @@
           <p:cNvPr id="10" name="그림 9">
             <a:extLst>
               <a:ext uri="{FF2B5EF4-FFF2-40B4-BE49-F238E27FC236}">
-                <a16:creationId xmlns:a16="http://schemas.microsoft.com/office/drawing/2014/main" xmlns="" id="{35490654-9B03-4D91-B6D9-FF55D2A9F988}"/>
+                <a16:creationId xmlns:a16="http://schemas.microsoft.com/office/drawing/2014/main" id="{35490654-9B03-4D91-B6D9-FF55D2A9F988}"/>
               </a:ext>
             </a:extLst>
           </p:cNvPr>
@@ -6917,7 +6913,7 @@
           <p:cNvPr id="3" name="Rectangle 3">
             <a:extLst>
               <a:ext uri="{FF2B5EF4-FFF2-40B4-BE49-F238E27FC236}">
-                <a16:creationId xmlns:a16="http://schemas.microsoft.com/office/drawing/2014/main" xmlns="" id="{15179EC9-C880-4310-8BB5-61D6DEA36D93}"/>
+                <a16:creationId xmlns:a16="http://schemas.microsoft.com/office/drawing/2014/main" id="{15179EC9-C880-4310-8BB5-61D6DEA36D93}"/>
               </a:ext>
             </a:extLst>
           </p:cNvPr>
@@ -6981,7 +6977,7 @@
           <p:cNvPr id="4" name="TextBox 12">
             <a:extLst>
               <a:ext uri="{FF2B5EF4-FFF2-40B4-BE49-F238E27FC236}">
-                <a16:creationId xmlns:a16="http://schemas.microsoft.com/office/drawing/2014/main" xmlns="" id="{0C793EB3-440C-4247-96D7-06FEFF4152E4}"/>
+                <a16:creationId xmlns:a16="http://schemas.microsoft.com/office/drawing/2014/main" id="{0C793EB3-440C-4247-96D7-06FEFF4152E4}"/>
               </a:ext>
             </a:extLst>
           </p:cNvPr>
@@ -7126,7 +7122,7 @@
           <p:cNvPr id="5" name="Oval 4">
             <a:extLst>
               <a:ext uri="{FF2B5EF4-FFF2-40B4-BE49-F238E27FC236}">
-                <a16:creationId xmlns:a16="http://schemas.microsoft.com/office/drawing/2014/main" xmlns="" id="{5174CD31-BF8A-404E-B363-1815188385BA}"/>
+                <a16:creationId xmlns:a16="http://schemas.microsoft.com/office/drawing/2014/main" id="{5174CD31-BF8A-404E-B363-1815188385BA}"/>
               </a:ext>
             </a:extLst>
           </p:cNvPr>
@@ -7191,7 +7187,7 @@
           <p:cNvPr id="6" name="TextBox 5">
             <a:extLst>
               <a:ext uri="{FF2B5EF4-FFF2-40B4-BE49-F238E27FC236}">
-                <a16:creationId xmlns:a16="http://schemas.microsoft.com/office/drawing/2014/main" xmlns="" id="{AB635BFB-0E90-4908-8D89-928DE4D56A3C}"/>
+                <a16:creationId xmlns:a16="http://schemas.microsoft.com/office/drawing/2014/main" id="{AB635BFB-0E90-4908-8D89-928DE4D56A3C}"/>
               </a:ext>
             </a:extLst>
           </p:cNvPr>
@@ -7238,7 +7234,7 @@
           <p:cNvPr id="7" name="Rectangle 31">
             <a:extLst>
               <a:ext uri="{FF2B5EF4-FFF2-40B4-BE49-F238E27FC236}">
-                <a16:creationId xmlns:a16="http://schemas.microsoft.com/office/drawing/2014/main" xmlns="" id="{0607668C-84D6-4A78-8A81-16F0A5C1BD5E}"/>
+                <a16:creationId xmlns:a16="http://schemas.microsoft.com/office/drawing/2014/main" id="{0607668C-84D6-4A78-8A81-16F0A5C1BD5E}"/>
               </a:ext>
             </a:extLst>
           </p:cNvPr>
@@ -7302,7 +7298,7 @@
           <p:cNvPr id="8" name="TextBox 12">
             <a:extLst>
               <a:ext uri="{FF2B5EF4-FFF2-40B4-BE49-F238E27FC236}">
-                <a16:creationId xmlns:a16="http://schemas.microsoft.com/office/drawing/2014/main" xmlns="" id="{C0A8F129-DFB5-41CC-A1A3-36627220DCD5}"/>
+                <a16:creationId xmlns:a16="http://schemas.microsoft.com/office/drawing/2014/main" id="{C0A8F129-DFB5-41CC-A1A3-36627220DCD5}"/>
               </a:ext>
             </a:extLst>
           </p:cNvPr>
@@ -7454,7 +7450,7 @@
           <p:cNvPr id="9" name="Oval 33">
             <a:extLst>
               <a:ext uri="{FF2B5EF4-FFF2-40B4-BE49-F238E27FC236}">
-                <a16:creationId xmlns:a16="http://schemas.microsoft.com/office/drawing/2014/main" xmlns="" id="{8EA7DCCE-EAAA-4A91-8FCD-B6647EED91CE}"/>
+                <a16:creationId xmlns:a16="http://schemas.microsoft.com/office/drawing/2014/main" id="{8EA7DCCE-EAAA-4A91-8FCD-B6647EED91CE}"/>
               </a:ext>
             </a:extLst>
           </p:cNvPr>
@@ -7519,7 +7515,7 @@
           <p:cNvPr id="10" name="TextBox 9">
             <a:extLst>
               <a:ext uri="{FF2B5EF4-FFF2-40B4-BE49-F238E27FC236}">
-                <a16:creationId xmlns:a16="http://schemas.microsoft.com/office/drawing/2014/main" xmlns="" id="{7853CBAF-0D9A-48E8-8B23-5E54A35CD307}"/>
+                <a16:creationId xmlns:a16="http://schemas.microsoft.com/office/drawing/2014/main" id="{7853CBAF-0D9A-48E8-8B23-5E54A35CD307}"/>
               </a:ext>
             </a:extLst>
           </p:cNvPr>
@@ -7566,7 +7562,7 @@
           <p:cNvPr id="11" name="Rectangle 36">
             <a:extLst>
               <a:ext uri="{FF2B5EF4-FFF2-40B4-BE49-F238E27FC236}">
-                <a16:creationId xmlns:a16="http://schemas.microsoft.com/office/drawing/2014/main" xmlns="" id="{B0D84BDB-03E5-48FA-A8D3-DCFD39CB59D0}"/>
+                <a16:creationId xmlns:a16="http://schemas.microsoft.com/office/drawing/2014/main" id="{B0D84BDB-03E5-48FA-A8D3-DCFD39CB59D0}"/>
               </a:ext>
             </a:extLst>
           </p:cNvPr>
@@ -7630,7 +7626,7 @@
           <p:cNvPr id="12" name="TextBox 12">
             <a:extLst>
               <a:ext uri="{FF2B5EF4-FFF2-40B4-BE49-F238E27FC236}">
-                <a16:creationId xmlns:a16="http://schemas.microsoft.com/office/drawing/2014/main" xmlns="" id="{616A9CE2-7A18-4FC0-9ECA-F1EFF4FFDF86}"/>
+                <a16:creationId xmlns:a16="http://schemas.microsoft.com/office/drawing/2014/main" id="{616A9CE2-7A18-4FC0-9ECA-F1EFF4FFDF86}"/>
               </a:ext>
             </a:extLst>
           </p:cNvPr>
@@ -7785,7 +7781,7 @@
           <p:cNvPr id="13" name="Oval 38">
             <a:extLst>
               <a:ext uri="{FF2B5EF4-FFF2-40B4-BE49-F238E27FC236}">
-                <a16:creationId xmlns:a16="http://schemas.microsoft.com/office/drawing/2014/main" xmlns="" id="{C4B585F2-7552-4961-8664-08AE6D46097C}"/>
+                <a16:creationId xmlns:a16="http://schemas.microsoft.com/office/drawing/2014/main" id="{C4B585F2-7552-4961-8664-08AE6D46097C}"/>
               </a:ext>
             </a:extLst>
           </p:cNvPr>
@@ -7846,7 +7842,7 @@
           <p:cNvPr id="14" name="TextBox 13">
             <a:extLst>
               <a:ext uri="{FF2B5EF4-FFF2-40B4-BE49-F238E27FC236}">
-                <a16:creationId xmlns:a16="http://schemas.microsoft.com/office/drawing/2014/main" xmlns="" id="{F5C8F98B-CB44-4C5B-B3F9-5C6BDBB51677}"/>
+                <a16:creationId xmlns:a16="http://schemas.microsoft.com/office/drawing/2014/main" id="{F5C8F98B-CB44-4C5B-B3F9-5C6BDBB51677}"/>
               </a:ext>
             </a:extLst>
           </p:cNvPr>
@@ -7893,7 +7889,7 @@
           <p:cNvPr id="17" name="Rectangle 36">
             <a:extLst>
               <a:ext uri="{FF2B5EF4-FFF2-40B4-BE49-F238E27FC236}">
-                <a16:creationId xmlns:a16="http://schemas.microsoft.com/office/drawing/2014/main" xmlns="" id="{7ECB5E6D-DEB6-4D5E-8831-1E16B9B12D88}"/>
+                <a16:creationId xmlns:a16="http://schemas.microsoft.com/office/drawing/2014/main" id="{7ECB5E6D-DEB6-4D5E-8831-1E16B9B12D88}"/>
               </a:ext>
             </a:extLst>
           </p:cNvPr>
@@ -7957,7 +7953,7 @@
           <p:cNvPr id="18" name="TextBox 12">
             <a:extLst>
               <a:ext uri="{FF2B5EF4-FFF2-40B4-BE49-F238E27FC236}">
-                <a16:creationId xmlns:a16="http://schemas.microsoft.com/office/drawing/2014/main" xmlns="" id="{B01A02FD-44FF-4B0A-997B-853D53D1FC62}"/>
+                <a16:creationId xmlns:a16="http://schemas.microsoft.com/office/drawing/2014/main" id="{B01A02FD-44FF-4B0A-997B-853D53D1FC62}"/>
               </a:ext>
             </a:extLst>
           </p:cNvPr>
@@ -8119,7 +8115,7 @@
           <p:cNvPr id="19" name="Oval 38">
             <a:extLst>
               <a:ext uri="{FF2B5EF4-FFF2-40B4-BE49-F238E27FC236}">
-                <a16:creationId xmlns:a16="http://schemas.microsoft.com/office/drawing/2014/main" xmlns="" id="{2082DF2E-498D-4102-BA37-83963426BBCF}"/>
+                <a16:creationId xmlns:a16="http://schemas.microsoft.com/office/drawing/2014/main" id="{2082DF2E-498D-4102-BA37-83963426BBCF}"/>
               </a:ext>
             </a:extLst>
           </p:cNvPr>
@@ -8180,7 +8176,7 @@
           <p:cNvPr id="20" name="TextBox 19">
             <a:extLst>
               <a:ext uri="{FF2B5EF4-FFF2-40B4-BE49-F238E27FC236}">
-                <a16:creationId xmlns:a16="http://schemas.microsoft.com/office/drawing/2014/main" xmlns="" id="{8C28F001-B2AC-4833-B0B7-0C12D832F226}"/>
+                <a16:creationId xmlns:a16="http://schemas.microsoft.com/office/drawing/2014/main" id="{8C28F001-B2AC-4833-B0B7-0C12D832F226}"/>
               </a:ext>
             </a:extLst>
           </p:cNvPr>
@@ -8227,7 +8223,7 @@
           <p:cNvPr id="21" name="Rectangle 36">
             <a:extLst>
               <a:ext uri="{FF2B5EF4-FFF2-40B4-BE49-F238E27FC236}">
-                <a16:creationId xmlns:a16="http://schemas.microsoft.com/office/drawing/2014/main" xmlns="" id="{E762FE22-35B9-49C0-BD23-162768A54A3D}"/>
+                <a16:creationId xmlns:a16="http://schemas.microsoft.com/office/drawing/2014/main" id="{E762FE22-35B9-49C0-BD23-162768A54A3D}"/>
               </a:ext>
             </a:extLst>
           </p:cNvPr>
@@ -8291,7 +8287,7 @@
           <p:cNvPr id="22" name="TextBox 12">
             <a:extLst>
               <a:ext uri="{FF2B5EF4-FFF2-40B4-BE49-F238E27FC236}">
-                <a16:creationId xmlns:a16="http://schemas.microsoft.com/office/drawing/2014/main" xmlns="" id="{F561489B-1B5D-4CD6-9812-DB4B135851D0}"/>
+                <a16:creationId xmlns:a16="http://schemas.microsoft.com/office/drawing/2014/main" id="{F561489B-1B5D-4CD6-9812-DB4B135851D0}"/>
               </a:ext>
             </a:extLst>
           </p:cNvPr>
@@ -8457,7 +8453,7 @@
           <p:cNvPr id="23" name="Oval 38">
             <a:extLst>
               <a:ext uri="{FF2B5EF4-FFF2-40B4-BE49-F238E27FC236}">
-                <a16:creationId xmlns:a16="http://schemas.microsoft.com/office/drawing/2014/main" xmlns="" id="{37E4633B-FEF2-463E-A370-99CBC1AA2B6C}"/>
+                <a16:creationId xmlns:a16="http://schemas.microsoft.com/office/drawing/2014/main" id="{37E4633B-FEF2-463E-A370-99CBC1AA2B6C}"/>
               </a:ext>
             </a:extLst>
           </p:cNvPr>
@@ -8518,7 +8514,7 @@
           <p:cNvPr id="24" name="TextBox 23">
             <a:extLst>
               <a:ext uri="{FF2B5EF4-FFF2-40B4-BE49-F238E27FC236}">
-                <a16:creationId xmlns:a16="http://schemas.microsoft.com/office/drawing/2014/main" xmlns="" id="{2D725D7C-D471-4CCF-BF8D-8A9080BF1D24}"/>
+                <a16:creationId xmlns:a16="http://schemas.microsoft.com/office/drawing/2014/main" id="{2D725D7C-D471-4CCF-BF8D-8A9080BF1D24}"/>
               </a:ext>
             </a:extLst>
           </p:cNvPr>
@@ -8565,7 +8561,7 @@
           <p:cNvPr id="25" name="그림 24">
             <a:extLst>
               <a:ext uri="{FF2B5EF4-FFF2-40B4-BE49-F238E27FC236}">
-                <a16:creationId xmlns:a16="http://schemas.microsoft.com/office/drawing/2014/main" xmlns="" id="{B553AAFD-4856-4645-B49A-C6650A791BB1}"/>
+                <a16:creationId xmlns:a16="http://schemas.microsoft.com/office/drawing/2014/main" id="{B553AAFD-4856-4645-B49A-C6650A791BB1}"/>
               </a:ext>
             </a:extLst>
           </p:cNvPr>
@@ -8644,7 +8640,7 @@
           <p:cNvPr id="4" name="제목 3">
             <a:extLst>
               <a:ext uri="{FF2B5EF4-FFF2-40B4-BE49-F238E27FC236}">
-                <a16:creationId xmlns:a16="http://schemas.microsoft.com/office/drawing/2014/main" xmlns="" id="{1DB9D67E-3C29-419D-9E1A-063D1DE63B92}"/>
+                <a16:creationId xmlns:a16="http://schemas.microsoft.com/office/drawing/2014/main" id="{1DB9D67E-3C29-419D-9E1A-063D1DE63B92}"/>
               </a:ext>
             </a:extLst>
           </p:cNvPr>
@@ -8771,7 +8767,7 @@
           <p:cNvPr id="5" name="제목 4">
             <a:extLst>
               <a:ext uri="{FF2B5EF4-FFF2-40B4-BE49-F238E27FC236}">
-                <a16:creationId xmlns:a16="http://schemas.microsoft.com/office/drawing/2014/main" xmlns="" id="{1FB2539F-588F-4A71-83D3-9B966B5429FF}"/>
+                <a16:creationId xmlns:a16="http://schemas.microsoft.com/office/drawing/2014/main" id="{1FB2539F-588F-4A71-83D3-9B966B5429FF}"/>
               </a:ext>
             </a:extLst>
           </p:cNvPr>
@@ -8816,7 +8812,7 @@
           <p:cNvPr id="11" name="내용 개체 틀 10">
             <a:extLst>
               <a:ext uri="{FF2B5EF4-FFF2-40B4-BE49-F238E27FC236}">
-                <a16:creationId xmlns:a16="http://schemas.microsoft.com/office/drawing/2014/main" xmlns="" id="{2B7BB551-3CE0-4BE9-A79F-F1626E1AEE44}"/>
+                <a16:creationId xmlns:a16="http://schemas.microsoft.com/office/drawing/2014/main" id="{2B7BB551-3CE0-4BE9-A79F-F1626E1AEE44}"/>
               </a:ext>
             </a:extLst>
           </p:cNvPr>
@@ -8881,7 +8877,7 @@
           <p:cNvPr id="6" name="제목 5">
             <a:extLst>
               <a:ext uri="{FF2B5EF4-FFF2-40B4-BE49-F238E27FC236}">
-                <a16:creationId xmlns:a16="http://schemas.microsoft.com/office/drawing/2014/main" xmlns="" id="{10FD1A75-C668-46A8-80AE-B049DAA644C2}"/>
+                <a16:creationId xmlns:a16="http://schemas.microsoft.com/office/drawing/2014/main" id="{10FD1A75-C668-46A8-80AE-B049DAA644C2}"/>
               </a:ext>
             </a:extLst>
           </p:cNvPr>
@@ -8974,7 +8970,7 @@
           <p:cNvPr id="8" name="내용 개체 틀 7">
             <a:extLst>
               <a:ext uri="{FF2B5EF4-FFF2-40B4-BE49-F238E27FC236}">
-                <a16:creationId xmlns:a16="http://schemas.microsoft.com/office/drawing/2014/main" xmlns="" id="{9344AFBB-C1A5-4561-8092-C30FA3411970}"/>
+                <a16:creationId xmlns:a16="http://schemas.microsoft.com/office/drawing/2014/main" id="{9344AFBB-C1A5-4561-8092-C30FA3411970}"/>
               </a:ext>
             </a:extLst>
           </p:cNvPr>
@@ -9039,7 +9035,7 @@
           <p:cNvPr id="7" name="제목 6">
             <a:extLst>
               <a:ext uri="{FF2B5EF4-FFF2-40B4-BE49-F238E27FC236}">
-                <a16:creationId xmlns:a16="http://schemas.microsoft.com/office/drawing/2014/main" xmlns="" id="{7F8B6C5D-9058-4022-BFC9-C6CAFF57A8F3}"/>
+                <a16:creationId xmlns:a16="http://schemas.microsoft.com/office/drawing/2014/main" id="{7F8B6C5D-9058-4022-BFC9-C6CAFF57A8F3}"/>
               </a:ext>
             </a:extLst>
           </p:cNvPr>
@@ -9147,7 +9143,7 @@
           <p:cNvPr id="9" name="내용 개체 틀 8">
             <a:extLst>
               <a:ext uri="{FF2B5EF4-FFF2-40B4-BE49-F238E27FC236}">
-                <a16:creationId xmlns:a16="http://schemas.microsoft.com/office/drawing/2014/main" xmlns="" id="{91F02C87-48FC-4854-882C-73E391F09051}"/>
+                <a16:creationId xmlns:a16="http://schemas.microsoft.com/office/drawing/2014/main" id="{91F02C87-48FC-4854-882C-73E391F09051}"/>
               </a:ext>
             </a:extLst>
           </p:cNvPr>
@@ -9231,7 +9227,7 @@
           <p:cNvPr id="6" name="제목 5">
             <a:extLst>
               <a:ext uri="{FF2B5EF4-FFF2-40B4-BE49-F238E27FC236}">
-                <a16:creationId xmlns:a16="http://schemas.microsoft.com/office/drawing/2014/main" xmlns="" id="{266E2CB1-4091-44F8-9468-77AC86C2DF79}"/>
+                <a16:creationId xmlns:a16="http://schemas.microsoft.com/office/drawing/2014/main" id="{266E2CB1-4091-44F8-9468-77AC86C2DF79}"/>
               </a:ext>
             </a:extLst>
           </p:cNvPr>
@@ -9373,7 +9369,7 @@
           <p:cNvPr id="8" name="제목 7">
             <a:extLst>
               <a:ext uri="{FF2B5EF4-FFF2-40B4-BE49-F238E27FC236}">
-                <a16:creationId xmlns:a16="http://schemas.microsoft.com/office/drawing/2014/main" xmlns="" id="{6C4BBE78-F0BF-49F2-BEFB-C191F3A02869}"/>
+                <a16:creationId xmlns:a16="http://schemas.microsoft.com/office/drawing/2014/main" id="{6C4BBE78-F0BF-49F2-BEFB-C191F3A02869}"/>
               </a:ext>
             </a:extLst>
           </p:cNvPr>
@@ -9593,7 +9589,7 @@
           <p:cNvPr id="6" name="제목 5">
             <a:extLst>
               <a:ext uri="{FF2B5EF4-FFF2-40B4-BE49-F238E27FC236}">
-                <a16:creationId xmlns:a16="http://schemas.microsoft.com/office/drawing/2014/main" xmlns="" id="{14C85A47-D5EC-48A4-BBEC-F9975A3C2759}"/>
+                <a16:creationId xmlns:a16="http://schemas.microsoft.com/office/drawing/2014/main" id="{14C85A47-D5EC-48A4-BBEC-F9975A3C2759}"/>
               </a:ext>
             </a:extLst>
           </p:cNvPr>
@@ -9775,7 +9771,7 @@
           <p:cNvPr id="6" name="제목 5">
             <a:extLst>
               <a:ext uri="{FF2B5EF4-FFF2-40B4-BE49-F238E27FC236}">
-                <a16:creationId xmlns:a16="http://schemas.microsoft.com/office/drawing/2014/main" xmlns="" id="{A40BCBDB-E21A-4F85-8E81-8D914EDF7020}"/>
+                <a16:creationId xmlns:a16="http://schemas.microsoft.com/office/drawing/2014/main" id="{A40BCBDB-E21A-4F85-8E81-8D914EDF7020}"/>
               </a:ext>
             </a:extLst>
           </p:cNvPr>
@@ -10042,7 +10038,7 @@
           <a:p>
             <a:pPr lvl="1"/>
             <a:r>
-              <a:rPr lang="en-US" altLang="ko-KR" dirty="0" smtClean="0"/>
+              <a:rPr lang="en-US" altLang="ko-KR" dirty="0"/>
               <a:t> </a:t>
             </a:r>
             <a:endParaRPr lang="ko-KR" altLang="en-US" dirty="0"/>
@@ -10054,7 +10050,7 @@
           <p:cNvPr id="5" name="제목 4">
             <a:extLst>
               <a:ext uri="{FF2B5EF4-FFF2-40B4-BE49-F238E27FC236}">
-                <a16:creationId xmlns:a16="http://schemas.microsoft.com/office/drawing/2014/main" xmlns="" id="{D82FC2F9-D5D3-4F18-9799-A606A833AF6C}"/>
+                <a16:creationId xmlns:a16="http://schemas.microsoft.com/office/drawing/2014/main" id="{D82FC2F9-D5D3-4F18-9799-A606A833AF6C}"/>
               </a:ext>
             </a:extLst>
           </p:cNvPr>
@@ -10223,7 +10219,7 @@
           <p:cNvPr id="4" name="제목 3">
             <a:extLst>
               <a:ext uri="{FF2B5EF4-FFF2-40B4-BE49-F238E27FC236}">
-                <a16:creationId xmlns:a16="http://schemas.microsoft.com/office/drawing/2014/main" xmlns="" id="{8F5AC328-A3E2-4263-9C3F-6FF48E50AE08}"/>
+                <a16:creationId xmlns:a16="http://schemas.microsoft.com/office/drawing/2014/main" id="{8F5AC328-A3E2-4263-9C3F-6FF48E50AE08}"/>
               </a:ext>
             </a:extLst>
           </p:cNvPr>
@@ -10356,7 +10352,7 @@
           <p:cNvPr id="5" name="제목 4">
             <a:extLst>
               <a:ext uri="{FF2B5EF4-FFF2-40B4-BE49-F238E27FC236}">
-                <a16:creationId xmlns:a16="http://schemas.microsoft.com/office/drawing/2014/main" xmlns="" id="{ACA100DF-599B-422A-8574-018D40A2997E}"/>
+                <a16:creationId xmlns:a16="http://schemas.microsoft.com/office/drawing/2014/main" id="{ACA100DF-599B-422A-8574-018D40A2997E}"/>
               </a:ext>
             </a:extLst>
           </p:cNvPr>
@@ -10482,7 +10478,7 @@
           <p:cNvPr id="6" name="제목 5">
             <a:extLst>
               <a:ext uri="{FF2B5EF4-FFF2-40B4-BE49-F238E27FC236}">
-                <a16:creationId xmlns:a16="http://schemas.microsoft.com/office/drawing/2014/main" xmlns="" id="{10D3A48E-6DF9-4F2E-AAED-224F2C0C60EF}"/>
+                <a16:creationId xmlns:a16="http://schemas.microsoft.com/office/drawing/2014/main" id="{10D3A48E-6DF9-4F2E-AAED-224F2C0C60EF}"/>
               </a:ext>
             </a:extLst>
           </p:cNvPr>
@@ -10678,7 +10674,7 @@
           <p:cNvPr id="4" name="제목 3">
             <a:extLst>
               <a:ext uri="{FF2B5EF4-FFF2-40B4-BE49-F238E27FC236}">
-                <a16:creationId xmlns:a16="http://schemas.microsoft.com/office/drawing/2014/main" xmlns="" id="{31167ABE-6118-4FA6-8E56-C877E134634A}"/>
+                <a16:creationId xmlns:a16="http://schemas.microsoft.com/office/drawing/2014/main" id="{31167ABE-6118-4FA6-8E56-C877E134634A}"/>
               </a:ext>
             </a:extLst>
           </p:cNvPr>
@@ -10916,7 +10912,7 @@
           <p:cNvPr id="7" name="제목 6">
             <a:extLst>
               <a:ext uri="{FF2B5EF4-FFF2-40B4-BE49-F238E27FC236}">
-                <a16:creationId xmlns:a16="http://schemas.microsoft.com/office/drawing/2014/main" xmlns="" id="{AFC362C9-B636-4BA4-9B5A-1B305A35E045}"/>
+                <a16:creationId xmlns:a16="http://schemas.microsoft.com/office/drawing/2014/main" id="{AFC362C9-B636-4BA4-9B5A-1B305A35E045}"/>
               </a:ext>
             </a:extLst>
           </p:cNvPr>
@@ -11064,7 +11060,7 @@
           <p:cNvPr id="8" name="내용 개체 틀 7">
             <a:extLst>
               <a:ext uri="{FF2B5EF4-FFF2-40B4-BE49-F238E27FC236}">
-                <a16:creationId xmlns:a16="http://schemas.microsoft.com/office/drawing/2014/main" xmlns="" id="{6A14A4BC-FA0A-4300-8CDC-BDFD81AF9C98}"/>
+                <a16:creationId xmlns:a16="http://schemas.microsoft.com/office/drawing/2014/main" id="{6A14A4BC-FA0A-4300-8CDC-BDFD81AF9C98}"/>
               </a:ext>
             </a:extLst>
           </p:cNvPr>
@@ -11099,7 +11095,7 @@
           <p:cNvPr id="6" name="제목 5">
             <a:extLst>
               <a:ext uri="{FF2B5EF4-FFF2-40B4-BE49-F238E27FC236}">
-                <a16:creationId xmlns:a16="http://schemas.microsoft.com/office/drawing/2014/main" xmlns="" id="{13DA2AA5-8850-4C58-8557-A97B4347C668}"/>
+                <a16:creationId xmlns:a16="http://schemas.microsoft.com/office/drawing/2014/main" id="{13DA2AA5-8850-4C58-8557-A97B4347C668}"/>
               </a:ext>
             </a:extLst>
           </p:cNvPr>
@@ -11193,7 +11189,7 @@
           <p:cNvPr id="10" name="그림 9">
             <a:extLst>
               <a:ext uri="{FF2B5EF4-FFF2-40B4-BE49-F238E27FC236}">
-                <a16:creationId xmlns:a16="http://schemas.microsoft.com/office/drawing/2014/main" xmlns="" id="{5D143E54-2907-4421-B43C-53306BD87EBE}"/>
+                <a16:creationId xmlns:a16="http://schemas.microsoft.com/office/drawing/2014/main" id="{5D143E54-2907-4421-B43C-53306BD87EBE}"/>
               </a:ext>
             </a:extLst>
           </p:cNvPr>
